--- a/lectures/lecture-15/Lecture_15_BM.pptx
+++ b/lectures/lecture-15/Lecture_15_BM.pptx
@@ -5682,8 +5682,12 @@
           <a:lstStyle/>
           <a:p>
             <a:r>
-              <a:rPr lang="en-US" dirty="0" smtClean="0"/>
-              <a:t>Lecture 14: </a:t>
+              <a:rPr lang="en-US" smtClean="0"/>
+              <a:t>Lecture </a:t>
+            </a:r>
+            <a:r>
+              <a:rPr lang="en-US" smtClean="0"/>
+              <a:t>15: </a:t>
             </a:r>
             <a:r>
               <a:rPr lang="en-US" dirty="0" smtClean="0"/>
